--- a/Day2/Table Creation - Practice Check.pptx
+++ b/Day2/Table Creation - Practice Check.pptx
@@ -8231,6 +8231,63 @@
 </file>
 
 <file path=customXml/item1.xml><?xml version="1.0" encoding="utf-8"?>
+<p:properties xmlns:p="http://schemas.microsoft.com/office/2006/metadata/properties" xmlns:xsi="http://www.w3.org/2001/XMLSchema-instance" xmlns:pc="http://schemas.microsoft.com/office/infopath/2007/PartnerControls">
+  <documentManagement>
+    <Work_x0020_request xmlns="05686ec9-621b-4d4e-b044-e44970800757" xsi:nil="true"/>
+    <_x0043_M4 xmlns="05686ec9-621b-4d4e-b044-e44970800757" xsi:nil="true"/>
+    <ViewCount xmlns="05686ec9-621b-4d4e-b044-e44970800757">2</ViewCount>
+    <Rating1 xmlns="05686ec9-621b-4d4e-b044-e44970800757" xsi:nil="true"/>
+    <_x0043_M5 xmlns="05686ec9-621b-4d4e-b044-e44970800757" xsi:nil="true"/>
+    <Rating2 xmlns="05686ec9-621b-4d4e-b044-e44970800757" xsi:nil="true"/>
+    <ClientSupplied xmlns="05686ec9-621b-4d4e-b044-e44970800757" xsi:nil="true"/>
+    <_x0043_M6 xmlns="05686ec9-621b-4d4e-b044-e44970800757" xsi:nil="true"/>
+    <Rating3 xmlns="05686ec9-621b-4d4e-b044-e44970800757" xsi:nil="true"/>
+    <_x0043_M7 xmlns="05686ec9-621b-4d4e-b044-e44970800757" xsi:nil="true"/>
+    <CheckedOutPath xmlns="05686ec9-621b-4d4e-b044-e44970800757" xsi:nil="true"/>
+    <ApprovalStatus xmlns="05686ec9-621b-4d4e-b044-e44970800757" xsi:nil="true"/>
+    <MBID xmlns="05686ec9-621b-4d4e-b044-e44970800757" xsi:nil="true"/>
+    <AssociateID xmlns="05686ec9-621b-4d4e-b044-e44970800757" xsi:nil="true"/>
+    <ProjectID xmlns="05686ec9-621b-4d4e-b044-e44970800757" xsi:nil="true"/>
+    <Releases xmlns="05686ec9-621b-4d4e-b044-e44970800757" xsi:nil="true"/>
+    <UnmappedDocuments xmlns="05686ec9-621b-4d4e-b044-e44970800757" xsi:nil="true"/>
+    <Comments xmlns="05686ec9-621b-4d4e-b044-e44970800757" xsi:nil="true"/>
+    <Phase xmlns="05686ec9-621b-4d4e-b044-e44970800757" xsi:nil="true"/>
+    <_x0043_M8 xmlns="05686ec9-621b-4d4e-b044-e44970800757" xsi:nil="true"/>
+    <_x0043_M9 xmlns="05686ec9-621b-4d4e-b044-e44970800757" xsi:nil="true"/>
+    <CreatedTime xmlns="05686ec9-621b-4d4e-b044-e44970800757" xsi:nil="true"/>
+    <Activities xmlns="05686ec9-621b-4d4e-b044-e44970800757" xsi:nil="true"/>
+    <CopySource xmlns="05686ec9-621b-4d4e-b044-e44970800757" xsi:nil="true"/>
+    <SubProjectID xmlns="05686ec9-621b-4d4e-b044-e44970800757" xsi:nil="true"/>
+    <Functional_x0020_Module3 xmlns="05686ec9-621b-4d4e-b044-e44970800757" xsi:nil="true"/>
+    <CopyToPath xmlns="05686ec9-621b-4d4e-b044-e44970800757" xsi:nil="true"/>
+    <BaselinedVersions xmlns="05686ec9-621b-4d4e-b044-e44970800757" xsi:nil="true"/>
+    <_x0043_M10 xmlns="05686ec9-621b-4d4e-b044-e44970800757" xsi:nil="true"/>
+    <Functional_x0020_Modules xmlns="05686ec9-621b-4d4e-b044-e44970800757" xsi:nil="true"/>
+    <Functional_x0020_Module2 xmlns="05686ec9-621b-4d4e-b044-e44970800757" xsi:nil="true"/>
+    <ArtifactStatus xmlns="05686ec9-621b-4d4e-b044-e44970800757" xsi:nil="true"/>
+    <ReasonforRejection xmlns="05686ec9-621b-4d4e-b044-e44970800757" xsi:nil="true"/>
+    <FolderPath xmlns="05686ec9-621b-4d4e-b044-e44970800757" xsi:nil="true"/>
+    <Rating4 xmlns="05686ec9-621b-4d4e-b044-e44970800757" xsi:nil="true"/>
+    <Rating5 xmlns="05686ec9-621b-4d4e-b044-e44970800757" xsi:nil="true"/>
+    <_x0043_M1 xmlns="05686ec9-621b-4d4e-b044-e44970800757" xsi:nil="true"/>
+    <Role xmlns="05686ec9-621b-4d4e-b044-e44970800757" xsi:nil="true"/>
+    <Processes xmlns="05686ec9-621b-4d4e-b044-e44970800757" xsi:nil="true"/>
+    <LatestDownloads xmlns="05686ec9-621b-4d4e-b044-e44970800757" xsi:nil="true"/>
+    <FolderId xmlns="05686ec9-621b-4d4e-b044-e44970800757" xsi:nil="true"/>
+    <_x0043_M2 xmlns="05686ec9-621b-4d4e-b044-e44970800757" xsi:nil="true"/>
+    <AccountID xmlns="05686ec9-621b-4d4e-b044-e44970800757" xsi:nil="true"/>
+    <Tags xmlns="05686ec9-621b-4d4e-b044-e44970800757" xsi:nil="true"/>
+    <AverageRating xmlns="05686ec9-621b-4d4e-b044-e44970800757" xsi:nil="true"/>
+    <_x0043_M3 xmlns="05686ec9-621b-4d4e-b044-e44970800757" xsi:nil="true"/>
+  </documentManagement>
+</p:properties>
+</file>
+
+<file path=customXml/item2.xml><?xml version="1.0" encoding="utf-8"?>
+<LongProperties xmlns="http://schemas.microsoft.com/office/2006/metadata/longProperties"/>
+</file>
+
+<file path=customXml/item3.xml><?xml version="1.0" encoding="utf-8"?>
 <ct:contentTypeSchema xmlns:ct="http://schemas.microsoft.com/office/2006/metadata/contentType" xmlns:ma="http://schemas.microsoft.com/office/2006/metadata/properties/metaAttributes" ct:_="" ma:_="" ma:contentTypeName="Document" ma:contentTypeID="0x0101007B39C2D19CB1EB4EB957C296FF889379" ma:contentTypeVersion="46" ma:contentTypeDescription="Create a new document." ma:contentTypeScope="" ma:versionID="d76e7b19da747d2797abee5bd65afe53">
   <xsd:schema xmlns:xsd="http://www.w3.org/2001/XMLSchema" xmlns:xs="http://www.w3.org/2001/XMLSchema" xmlns:p="http://schemas.microsoft.com/office/2006/metadata/properties" xmlns:ns2="05686ec9-621b-4d4e-b044-e44970800757" targetNamespace="http://schemas.microsoft.com/office/2006/metadata/properties" ma:root="true" ma:fieldsID="6706f00be75213024a94f9e90a3ca398" ns2:_="">
     <xsd:import namespace="05686ec9-621b-4d4e-b044-e44970800757"/>
@@ -8630,64 +8687,25 @@
 </ct:contentTypeSchema>
 </file>
 
-<file path=customXml/item2.xml><?xml version="1.0" encoding="utf-8"?>
-<LongProperties xmlns="http://schemas.microsoft.com/office/2006/metadata/longProperties"/>
+<file path=customXml/itemProps1.xml><?xml version="1.0" encoding="utf-8"?>
+<ds:datastoreItem xmlns:ds="http://schemas.openxmlformats.org/officeDocument/2006/customXml" ds:itemID="{9C84B07D-06BE-44C9-9968-498A0A3848E1}">
+  <ds:schemaRefs>
+    <ds:schemaRef ds:uri="http://schemas.microsoft.com/office/2006/metadata/properties"/>
+    <ds:schemaRef ds:uri="http://schemas.microsoft.com/office/infopath/2007/PartnerControls"/>
+    <ds:schemaRef ds:uri="05686ec9-621b-4d4e-b044-e44970800757"/>
+  </ds:schemaRefs>
+</ds:datastoreItem>
 </file>
 
-<file path=customXml/item3.xml><?xml version="1.0" encoding="utf-8"?>
-<p:properties xmlns:p="http://schemas.microsoft.com/office/2006/metadata/properties" xmlns:xsi="http://www.w3.org/2001/XMLSchema-instance" xmlns:pc="http://schemas.microsoft.com/office/infopath/2007/PartnerControls">
-  <documentManagement>
-    <Work_x0020_request xmlns="05686ec9-621b-4d4e-b044-e44970800757" xsi:nil="true"/>
-    <_x0043_M4 xmlns="05686ec9-621b-4d4e-b044-e44970800757" xsi:nil="true"/>
-    <ViewCount xmlns="05686ec9-621b-4d4e-b044-e44970800757">2</ViewCount>
-    <Rating1 xmlns="05686ec9-621b-4d4e-b044-e44970800757" xsi:nil="true"/>
-    <_x0043_M5 xmlns="05686ec9-621b-4d4e-b044-e44970800757" xsi:nil="true"/>
-    <Rating2 xmlns="05686ec9-621b-4d4e-b044-e44970800757" xsi:nil="true"/>
-    <ClientSupplied xmlns="05686ec9-621b-4d4e-b044-e44970800757" xsi:nil="true"/>
-    <_x0043_M6 xmlns="05686ec9-621b-4d4e-b044-e44970800757" xsi:nil="true"/>
-    <Rating3 xmlns="05686ec9-621b-4d4e-b044-e44970800757" xsi:nil="true"/>
-    <_x0043_M7 xmlns="05686ec9-621b-4d4e-b044-e44970800757" xsi:nil="true"/>
-    <CheckedOutPath xmlns="05686ec9-621b-4d4e-b044-e44970800757" xsi:nil="true"/>
-    <ApprovalStatus xmlns="05686ec9-621b-4d4e-b044-e44970800757" xsi:nil="true"/>
-    <MBID xmlns="05686ec9-621b-4d4e-b044-e44970800757" xsi:nil="true"/>
-    <AssociateID xmlns="05686ec9-621b-4d4e-b044-e44970800757" xsi:nil="true"/>
-    <ProjectID xmlns="05686ec9-621b-4d4e-b044-e44970800757" xsi:nil="true"/>
-    <Releases xmlns="05686ec9-621b-4d4e-b044-e44970800757" xsi:nil="true"/>
-    <UnmappedDocuments xmlns="05686ec9-621b-4d4e-b044-e44970800757" xsi:nil="true"/>
-    <Comments xmlns="05686ec9-621b-4d4e-b044-e44970800757" xsi:nil="true"/>
-    <Phase xmlns="05686ec9-621b-4d4e-b044-e44970800757" xsi:nil="true"/>
-    <_x0043_M8 xmlns="05686ec9-621b-4d4e-b044-e44970800757" xsi:nil="true"/>
-    <_x0043_M9 xmlns="05686ec9-621b-4d4e-b044-e44970800757" xsi:nil="true"/>
-    <CreatedTime xmlns="05686ec9-621b-4d4e-b044-e44970800757" xsi:nil="true"/>
-    <Activities xmlns="05686ec9-621b-4d4e-b044-e44970800757" xsi:nil="true"/>
-    <CopySource xmlns="05686ec9-621b-4d4e-b044-e44970800757" xsi:nil="true"/>
-    <SubProjectID xmlns="05686ec9-621b-4d4e-b044-e44970800757" xsi:nil="true"/>
-    <Functional_x0020_Module3 xmlns="05686ec9-621b-4d4e-b044-e44970800757" xsi:nil="true"/>
-    <CopyToPath xmlns="05686ec9-621b-4d4e-b044-e44970800757" xsi:nil="true"/>
-    <BaselinedVersions xmlns="05686ec9-621b-4d4e-b044-e44970800757" xsi:nil="true"/>
-    <_x0043_M10 xmlns="05686ec9-621b-4d4e-b044-e44970800757" xsi:nil="true"/>
-    <Functional_x0020_Modules xmlns="05686ec9-621b-4d4e-b044-e44970800757" xsi:nil="true"/>
-    <Functional_x0020_Module2 xmlns="05686ec9-621b-4d4e-b044-e44970800757" xsi:nil="true"/>
-    <ArtifactStatus xmlns="05686ec9-621b-4d4e-b044-e44970800757" xsi:nil="true"/>
-    <ReasonforRejection xmlns="05686ec9-621b-4d4e-b044-e44970800757" xsi:nil="true"/>
-    <FolderPath xmlns="05686ec9-621b-4d4e-b044-e44970800757" xsi:nil="true"/>
-    <Rating4 xmlns="05686ec9-621b-4d4e-b044-e44970800757" xsi:nil="true"/>
-    <Rating5 xmlns="05686ec9-621b-4d4e-b044-e44970800757" xsi:nil="true"/>
-    <_x0043_M1 xmlns="05686ec9-621b-4d4e-b044-e44970800757" xsi:nil="true"/>
-    <Role xmlns="05686ec9-621b-4d4e-b044-e44970800757" xsi:nil="true"/>
-    <Processes xmlns="05686ec9-621b-4d4e-b044-e44970800757" xsi:nil="true"/>
-    <LatestDownloads xmlns="05686ec9-621b-4d4e-b044-e44970800757" xsi:nil="true"/>
-    <FolderId xmlns="05686ec9-621b-4d4e-b044-e44970800757" xsi:nil="true"/>
-    <_x0043_M2 xmlns="05686ec9-621b-4d4e-b044-e44970800757" xsi:nil="true"/>
-    <AccountID xmlns="05686ec9-621b-4d4e-b044-e44970800757" xsi:nil="true"/>
-    <Tags xmlns="05686ec9-621b-4d4e-b044-e44970800757" xsi:nil="true"/>
-    <AverageRating xmlns="05686ec9-621b-4d4e-b044-e44970800757" xsi:nil="true"/>
-    <_x0043_M3 xmlns="05686ec9-621b-4d4e-b044-e44970800757" xsi:nil="true"/>
-  </documentManagement>
-</p:properties>
+<file path=customXml/itemProps2.xml><?xml version="1.0" encoding="utf-8"?>
+<ds:datastoreItem xmlns:ds="http://schemas.openxmlformats.org/officeDocument/2006/customXml" ds:itemID="{67987515-83F9-4DCD-B34D-E5941B4F5709}">
+  <ds:schemaRefs>
+    <ds:schemaRef ds:uri="http://schemas.microsoft.com/office/2006/metadata/longProperties"/>
+  </ds:schemaRefs>
+</ds:datastoreItem>
 </file>
 
-<file path=customXml/itemProps1.xml><?xml version="1.0" encoding="utf-8"?>
+<file path=customXml/itemProps3.xml><?xml version="1.0" encoding="utf-8"?>
 <ds:datastoreItem xmlns:ds="http://schemas.openxmlformats.org/officeDocument/2006/customXml" ds:itemID="{2234CEAD-830E-4C8A-B349-0A0A2A68D013}">
   <ds:schemaRefs>
     <ds:schemaRef ds:uri="http://schemas.microsoft.com/office/2006/metadata/contentType"/>
@@ -8703,22 +8721,4 @@
     <ds:schemaRef ds:uri="http://schemas.microsoft.com/internal/obd"/>
   </ds:schemaRefs>
 </ds:datastoreItem>
-</file>
-
-<file path=customXml/itemProps2.xml><?xml version="1.0" encoding="utf-8"?>
-<ds:datastoreItem xmlns:ds="http://schemas.openxmlformats.org/officeDocument/2006/customXml" ds:itemID="{67987515-83F9-4DCD-B34D-E5941B4F5709}">
-  <ds:schemaRefs>
-    <ds:schemaRef ds:uri="http://schemas.microsoft.com/office/2006/metadata/longProperties"/>
-  </ds:schemaRefs>
-</ds:datastoreItem>
-</file>
-
-<file path=customXml/itemProps3.xml><?xml version="1.0" encoding="utf-8"?>
-<ds:datastoreItem xmlns:ds="http://schemas.openxmlformats.org/officeDocument/2006/customXml" ds:itemID="{9C84B07D-06BE-44C9-9968-498A0A3848E1}">
-  <ds:schemaRefs>
-    <ds:schemaRef ds:uri="http://schemas.microsoft.com/office/2006/metadata/properties"/>
-    <ds:schemaRef ds:uri="http://schemas.microsoft.com/office/infopath/2007/PartnerControls"/>
-    <ds:schemaRef ds:uri="05686ec9-621b-4d4e-b044-e44970800757"/>
-  </ds:schemaRefs>
-</ds:datastoreItem>
 </file>